--- a/doc/Aufgaben/String Calculator/Coding-Dojo-2015-01-21.pptx
+++ b/doc/Aufgaben/String Calculator/Coding-Dojo-2015-01-21.pptx
@@ -3097,8 +3097,27 @@
           <a:p>
             <a:r>
               <a:rPr lang="de-DE" sz="2800" dirty="0" smtClean="0"/>
-              <a:t>(Spätestens) bei einem Pilotenwechsel Aktualisierung des Diagramms</a:t>
-            </a:r>
+              <a:t>(Spätestens) bei einem Pilotenwechsel Aktualisierung des </a:t>
+            </a:r>
+            <a:r>
+              <a:rPr lang="de-DE" sz="2800" dirty="0" smtClean="0"/>
+              <a:t>Diagramms</a:t>
+            </a:r>
+          </a:p>
+          <a:p>
+            <a:r>
+              <a:rPr lang="de-DE" sz="2800" dirty="0" smtClean="0"/>
+              <a:t>Nur Java 6 &amp; </a:t>
+            </a:r>
+            <a:r>
+              <a:rPr lang="de-DE" sz="2800" dirty="0" err="1" smtClean="0"/>
+              <a:t>JUnit</a:t>
+            </a:r>
+            <a:r>
+              <a:rPr lang="de-DE" sz="2800" dirty="0" smtClean="0"/>
+              <a:t> einsetzen</a:t>
+            </a:r>
+            <a:endParaRPr lang="de-DE" sz="2800" dirty="0" smtClean="0"/>
           </a:p>
           <a:p>
             <a:endParaRPr lang="de-DE" sz="2800" dirty="0" smtClean="0"/>
@@ -3404,7 +3423,6 @@
               <a:rPr lang="de-DE" dirty="0" smtClean="0"/>
               <a:t> soll eine beliebige Anzahl von Zahlen entgegennehmen können.</a:t>
             </a:r>
-            <a:endParaRPr lang="de-DE" dirty="0" smtClean="0"/>
           </a:p>
         </p:txBody>
       </p:sp>
@@ -3542,7 +3560,6 @@
               <a:rPr lang="de-DE" dirty="0" smtClean="0"/>
               <a:t>Ungültige Eingabe: „1,\n“ (muss hier nicht speziell behandelt werden)</a:t>
             </a:r>
-            <a:endParaRPr lang="de-DE" dirty="0" smtClean="0"/>
           </a:p>
         </p:txBody>
       </p:sp>
@@ -3891,7 +3908,6 @@
               <a:rPr lang="de-DE" dirty="0"/>
               <a:t>Retrospektive</a:t>
             </a:r>
-            <a:endParaRPr lang="de-DE" dirty="0"/>
           </a:p>
         </p:txBody>
       </p:sp>
